--- a/project3_DataCleaning.pptx
+++ b/project3_DataCleaning.pptx
@@ -3234,7 +3234,7 @@
         <p:spPr>
           <a:xfrm>
             <a:off x="91440" y="1005840"/>
-            <a:ext cx="11886840" cy="3291480"/>
+            <a:ext cx="11886480" cy="3291120"/>
           </a:xfrm>
           <a:prstGeom prst="rect">
             <a:avLst/>
@@ -3356,7 +3356,7 @@
         <p:spPr>
           <a:xfrm>
             <a:off x="4857120" y="6257520"/>
-            <a:ext cx="7229880" cy="663120"/>
+            <a:ext cx="7229520" cy="662760"/>
           </a:xfrm>
           <a:prstGeom prst="rect">
             <a:avLst/>
@@ -3405,7 +3405,7 @@
         <p:spPr>
           <a:xfrm>
             <a:off x="-182880" y="-91440"/>
-            <a:ext cx="6562080" cy="941400"/>
+            <a:ext cx="6561720" cy="941040"/>
           </a:xfrm>
           <a:prstGeom prst="rect">
             <a:avLst/>
@@ -3468,7 +3468,7 @@
         <p:spPr>
           <a:xfrm>
             <a:off x="294480" y="653760"/>
-            <a:ext cx="1899000" cy="1905480"/>
+            <a:ext cx="1898640" cy="1905120"/>
           </a:xfrm>
           <a:prstGeom prst="rect">
             <a:avLst/>
@@ -3536,7 +3536,7 @@
         <p:spPr>
           <a:xfrm>
             <a:off x="99000" y="-249840"/>
-            <a:ext cx="10532880" cy="1362960"/>
+            <a:ext cx="10532520" cy="1362600"/>
           </a:xfrm>
           <a:prstGeom prst="rect">
             <a:avLst/>
@@ -3611,7 +3611,7 @@
         <p:spPr>
           <a:xfrm>
             <a:off x="1005840" y="1463040"/>
-            <a:ext cx="8467200" cy="4626000"/>
+            <a:ext cx="8466840" cy="4625640"/>
           </a:xfrm>
           <a:prstGeom prst="rect">
             <a:avLst/>
@@ -3679,7 +3679,7 @@
         <p:spPr>
           <a:xfrm>
             <a:off x="99000" y="-249840"/>
-            <a:ext cx="10532880" cy="1362960"/>
+            <a:ext cx="10532520" cy="1362600"/>
           </a:xfrm>
           <a:prstGeom prst="rect">
             <a:avLst/>
@@ -3754,7 +3754,7 @@
         <p:spPr>
           <a:xfrm>
             <a:off x="1280160" y="1091880"/>
-            <a:ext cx="9418320" cy="4674240"/>
+            <a:ext cx="9417960" cy="4673880"/>
           </a:xfrm>
           <a:prstGeom prst="rect">
             <a:avLst/>
@@ -3822,7 +3822,7 @@
         <p:spPr>
           <a:xfrm>
             <a:off x="99000" y="-249840"/>
-            <a:ext cx="10532880" cy="1362960"/>
+            <a:ext cx="10532520" cy="1362600"/>
           </a:xfrm>
           <a:prstGeom prst="rect">
             <a:avLst/>
@@ -3897,7 +3897,7 @@
         <p:spPr>
           <a:xfrm rot="11400">
             <a:off x="2916720" y="890640"/>
-            <a:ext cx="5512320" cy="5566320"/>
+            <a:ext cx="5511960" cy="5565960"/>
           </a:xfrm>
           <a:prstGeom prst="rect">
             <a:avLst/>
@@ -3965,7 +3965,7 @@
         <p:spPr>
           <a:xfrm>
             <a:off x="99000" y="-249840"/>
-            <a:ext cx="10532880" cy="1362960"/>
+            <a:ext cx="10532520" cy="1362600"/>
           </a:xfrm>
           <a:prstGeom prst="rect">
             <a:avLst/>
@@ -4040,7 +4040,7 @@
         <p:spPr>
           <a:xfrm>
             <a:off x="3004200" y="1554480"/>
-            <a:ext cx="5042520" cy="4674240"/>
+            <a:ext cx="5042160" cy="4673880"/>
           </a:xfrm>
           <a:prstGeom prst="rect">
             <a:avLst/>
@@ -4108,7 +4108,7 @@
         <p:spPr>
           <a:xfrm>
             <a:off x="838080" y="365040"/>
-            <a:ext cx="10513800" cy="1323720"/>
+            <a:ext cx="10513440" cy="1323360"/>
           </a:xfrm>
           <a:prstGeom prst="rect">
             <a:avLst/>
@@ -4167,7 +4167,7 @@
         <p:spPr>
           <a:xfrm>
             <a:off x="838080" y="1690560"/>
-            <a:ext cx="10513800" cy="4484520"/>
+            <a:ext cx="10513440" cy="4484160"/>
           </a:xfrm>
           <a:prstGeom prst="rect">
             <a:avLst/>
@@ -4186,7 +4186,7 @@
         <p:txBody>
           <a:bodyPr lIns="90000" rIns="90000" tIns="45000" bIns="45000"/>
           <a:p>
-            <a:pPr marL="228600" indent="-226800">
+            <a:pPr marL="228600" indent="-226440">
               <a:lnSpc>
                 <a:spcPct val="90000"/>
               </a:lnSpc>
@@ -4237,7 +4237,7 @@
             </a:endParaRPr>
           </a:p>
           <a:p>
-            <a:pPr marL="228600" indent="-226800">
+            <a:pPr marL="228600" indent="-226440">
               <a:lnSpc>
                 <a:spcPct val="90000"/>
               </a:lnSpc>
@@ -4350,7 +4350,7 @@
         <p:spPr>
           <a:xfrm>
             <a:off x="838080" y="365040"/>
-            <a:ext cx="10513800" cy="1323720"/>
+            <a:ext cx="10513440" cy="1323360"/>
           </a:xfrm>
           <a:prstGeom prst="rect">
             <a:avLst/>
@@ -4376,7 +4376,7 @@
         <p:spPr>
           <a:xfrm>
             <a:off x="838080" y="1825560"/>
-            <a:ext cx="10513800" cy="4349520"/>
+            <a:ext cx="10513440" cy="4349160"/>
           </a:xfrm>
           <a:prstGeom prst="rect">
             <a:avLst/>
@@ -4397,7 +4397,7 @@
             <a:normAutofit/>
           </a:bodyPr>
           <a:p>
-            <a:pPr marL="228600" indent="-226800">
+            <a:pPr marL="228600" indent="-226440">
               <a:lnSpc>
                 <a:spcPct val="90000"/>
               </a:lnSpc>
@@ -4484,7 +4484,7 @@
         <p:spPr>
           <a:xfrm>
             <a:off x="838080" y="365040"/>
-            <a:ext cx="10513800" cy="1323720"/>
+            <a:ext cx="10513440" cy="1323360"/>
           </a:xfrm>
           <a:prstGeom prst="rect">
             <a:avLst/>
@@ -4510,7 +4510,7 @@
         <p:spPr>
           <a:xfrm>
             <a:off x="838080" y="1825560"/>
-            <a:ext cx="10513800" cy="3491640"/>
+            <a:ext cx="10513440" cy="3491280"/>
           </a:xfrm>
           <a:prstGeom prst="rect">
             <a:avLst/>
@@ -4613,7 +4613,7 @@
         <p:spPr>
           <a:xfrm>
             <a:off x="838080" y="365040"/>
-            <a:ext cx="10513800" cy="1323720"/>
+            <a:ext cx="10513440" cy="1323360"/>
           </a:xfrm>
           <a:prstGeom prst="rect">
             <a:avLst/>
@@ -4662,7 +4662,7 @@
         <p:spPr>
           <a:xfrm>
             <a:off x="609480" y="1604520"/>
-            <a:ext cx="10971360" cy="3976200"/>
+            <a:ext cx="10971000" cy="3975840"/>
           </a:xfrm>
           <a:prstGeom prst="rect">
             <a:avLst/>
@@ -4683,7 +4683,7 @@
             <a:normAutofit/>
           </a:bodyPr>
           <a:p>
-            <a:pPr marL="432000" indent="-322920">
+            <a:pPr marL="432000" indent="-322560">
               <a:lnSpc>
                 <a:spcPct val="100000"/>
               </a:lnSpc>
@@ -4712,7 +4712,7 @@
             </a:endParaRPr>
           </a:p>
           <a:p>
-            <a:pPr marL="432000" indent="-322920">
+            <a:pPr marL="432000" indent="-322560">
               <a:lnSpc>
                 <a:spcPct val="100000"/>
               </a:lnSpc>
@@ -4741,7 +4741,7 @@
             </a:endParaRPr>
           </a:p>
           <a:p>
-            <a:pPr marL="432000" indent="-322920">
+            <a:pPr marL="432000" indent="-322560">
               <a:lnSpc>
                 <a:spcPct val="100000"/>
               </a:lnSpc>
@@ -4770,7 +4770,7 @@
             </a:endParaRPr>
           </a:p>
           <a:p>
-            <a:pPr marL="432000" indent="-322920">
+            <a:pPr marL="432000" indent="-322560">
               <a:lnSpc>
                 <a:spcPct val="100000"/>
               </a:lnSpc>
@@ -4858,7 +4858,7 @@
         <p:spPr>
           <a:xfrm>
             <a:off x="63000" y="38160"/>
-            <a:ext cx="10532880" cy="1362960"/>
+            <a:ext cx="10532520" cy="1362600"/>
           </a:xfrm>
           <a:prstGeom prst="rect">
             <a:avLst/>
@@ -4933,7 +4933,7 @@
         <p:spPr>
           <a:xfrm>
             <a:off x="182880" y="1280160"/>
-            <a:ext cx="11795400" cy="5397120"/>
+            <a:ext cx="11795040" cy="5396760"/>
           </a:xfrm>
           <a:prstGeom prst="rect">
             <a:avLst/>
@@ -5001,7 +5001,7 @@
         <p:spPr>
           <a:xfrm>
             <a:off x="171000" y="-105840"/>
-            <a:ext cx="10532880" cy="1362960"/>
+            <a:ext cx="10532520" cy="1362600"/>
           </a:xfrm>
           <a:prstGeom prst="rect">
             <a:avLst/>
@@ -5076,7 +5076,7 @@
         <p:spPr>
           <a:xfrm>
             <a:off x="1470240" y="1005840"/>
-            <a:ext cx="9143280" cy="5303160"/>
+            <a:ext cx="9142920" cy="5302800"/>
           </a:xfrm>
           <a:prstGeom prst="rect">
             <a:avLst/>
@@ -5144,7 +5144,7 @@
         <p:spPr>
           <a:xfrm>
             <a:off x="99000" y="-249840"/>
-            <a:ext cx="10532880" cy="1362960"/>
+            <a:ext cx="10532520" cy="1362600"/>
           </a:xfrm>
           <a:prstGeom prst="rect">
             <a:avLst/>
@@ -5218,8 +5218,8 @@
         </p:blipFill>
         <p:spPr>
           <a:xfrm>
-            <a:off x="176040" y="846000"/>
-            <a:ext cx="11877120" cy="6134400"/>
+            <a:off x="555120" y="828720"/>
+            <a:ext cx="11877480" cy="6135120"/>
           </a:xfrm>
           <a:prstGeom prst="rect">
             <a:avLst/>
@@ -5291,7 +5291,7 @@
         <p:spPr>
           <a:xfrm>
             <a:off x="127800" y="664200"/>
-            <a:ext cx="11877120" cy="6134760"/>
+            <a:ext cx="11876760" cy="6134400"/>
           </a:xfrm>
           <a:prstGeom prst="rect">
             <a:avLst/>
@@ -5310,7 +5310,7 @@
         <p:spPr>
           <a:xfrm>
             <a:off x="99000" y="-249840"/>
-            <a:ext cx="10532880" cy="1362960"/>
+            <a:ext cx="10532520" cy="1362600"/>
           </a:xfrm>
           <a:prstGeom prst="rect">
             <a:avLst/>
@@ -5430,7 +5430,7 @@
         <p:spPr>
           <a:xfrm>
             <a:off x="99000" y="-249840"/>
-            <a:ext cx="10532880" cy="1362960"/>
+            <a:ext cx="10532520" cy="1362600"/>
           </a:xfrm>
           <a:prstGeom prst="rect">
             <a:avLst/>
@@ -5550,7 +5550,7 @@
         <p:spPr>
           <a:xfrm>
             <a:off x="99000" y="-249840"/>
-            <a:ext cx="10532880" cy="1362960"/>
+            <a:ext cx="10532520" cy="1362600"/>
           </a:xfrm>
           <a:prstGeom prst="rect">
             <a:avLst/>
@@ -5674,7 +5674,7 @@
         <p:spPr>
           <a:xfrm>
             <a:off x="633240" y="456480"/>
-            <a:ext cx="11877120" cy="6134760"/>
+            <a:ext cx="11876760" cy="6134400"/>
           </a:xfrm>
           <a:prstGeom prst="rect">
             <a:avLst/>
@@ -5693,7 +5693,7 @@
         <p:spPr>
           <a:xfrm>
             <a:off x="99000" y="-249840"/>
-            <a:ext cx="10532880" cy="1362960"/>
+            <a:ext cx="10532520" cy="1362600"/>
           </a:xfrm>
           <a:prstGeom prst="rect">
             <a:avLst/>
